--- a/Creating a Scanner.pptx
+++ b/Creating a Scanner.pptx
@@ -10,6 +10,7 @@
     <p:sldId id="258" r:id="rId4"/>
     <p:sldId id="259" r:id="rId5"/>
     <p:sldId id="260" r:id="rId6"/>
+    <p:sldId id="261" r:id="rId7"/>
   </p:sldIdLst>
   <p:sldSz cx="12192000" cy="6858000"/>
   <p:notesSz cx="6858000" cy="9144000"/>
@@ -108,6 +109,11 @@
       </a:defRPr>
     </a:lvl9pPr>
   </p:defaultTextStyle>
+  <p:extLst>
+    <p:ext uri="{EFAFB233-063F-42B5-8137-9DF3F51BA10A}">
+      <p15:sldGuideLst xmlns:p15="http://schemas.microsoft.com/office/powerpoint/2012/main"/>
+    </p:ext>
+  </p:extLst>
 </p:presentation>
 </file>
 
@@ -3498,7 +3504,12 @@
             <p:ph type="title"/>
           </p:nvPr>
         </p:nvSpPr>
-        <p:spPr/>
+        <p:spPr>
+          <a:xfrm>
+            <a:off x="447675" y="296688"/>
+            <a:ext cx="3714750" cy="792162"/>
+          </a:xfrm>
+        </p:spPr>
         <p:txBody>
           <a:bodyPr/>
           <a:lstStyle/>
@@ -3527,7 +3538,12 @@
             <p:ph idx="1"/>
           </p:nvPr>
         </p:nvSpPr>
-        <p:spPr/>
+        <p:spPr>
+          <a:xfrm>
+            <a:off x="447675" y="1088849"/>
+            <a:ext cx="10515600" cy="5207175"/>
+          </a:xfrm>
+        </p:spPr>
         <p:txBody>
           <a:bodyPr/>
           <a:lstStyle/>
@@ -3536,10 +3552,192 @@
               <a:rPr lang="en-US" dirty="0"/>
               <a:t>Reading of text input and creating of tokens</a:t>
             </a:r>
+          </a:p>
+          <a:p>
+            <a:pPr marL="914400" lvl="1" indent="-457200">
+              <a:buFont typeface="+mj-lt"/>
+              <a:buAutoNum type="alphaLcParenR"/>
+            </a:pPr>
+            <a:r>
+              <a:rPr lang="en-US" dirty="0" err="1"/>
+              <a:t>BufferedReader</a:t>
+            </a:r>
+            <a:r>
+              <a:rPr lang="en-US" dirty="0"/>
+              <a:t> to read from input file.</a:t>
+            </a:r>
+          </a:p>
+          <a:p>
+            <a:pPr marL="914400" lvl="1" indent="-457200">
+              <a:buFont typeface="+mj-lt"/>
+              <a:buAutoNum type="alphaLcParenR"/>
+            </a:pPr>
+            <a:endParaRPr lang="en-US" dirty="0"/>
+          </a:p>
+          <a:p>
+            <a:pPr marL="914400" lvl="1" indent="-457200">
+              <a:buFont typeface="+mj-lt"/>
+              <a:buAutoNum type="alphaLcParenR"/>
+            </a:pPr>
+            <a:r>
+              <a:rPr lang="en-US" dirty="0"/>
+              <a:t>Loop through the input file line by line and create tokens.</a:t>
+            </a:r>
+          </a:p>
+          <a:p>
+            <a:pPr marL="914400" lvl="1" indent="-457200">
+              <a:buFont typeface="+mj-lt"/>
+              <a:buAutoNum type="alphaLcParenR"/>
+            </a:pPr>
+            <a:endParaRPr lang="en-US" dirty="0"/>
+          </a:p>
+          <a:p>
+            <a:pPr marL="914400" lvl="1" indent="-457200">
+              <a:buFont typeface="+mj-lt"/>
+              <a:buAutoNum type="alphaLcParenR"/>
+            </a:pPr>
+            <a:endParaRPr lang="en-US" dirty="0"/>
+          </a:p>
+          <a:p>
+            <a:pPr marL="914400" lvl="1" indent="-457200">
+              <a:buFont typeface="+mj-lt"/>
+              <a:buAutoNum type="alphaLcParenR"/>
+            </a:pPr>
+            <a:endParaRPr lang="en-US" dirty="0"/>
+          </a:p>
+          <a:p>
+            <a:pPr marL="914400" lvl="1" indent="-457200">
+              <a:buFont typeface="+mj-lt"/>
+              <a:buAutoNum type="alphaLcParenR"/>
+            </a:pPr>
+            <a:r>
+              <a:rPr lang="en-PH" dirty="0"/>
+              <a:t>Tokens are created by reading left to right until a delimiter is met.</a:t>
+            </a:r>
+          </a:p>
+          <a:p>
+            <a:pPr marL="914400" lvl="1" indent="-457200">
+              <a:buFont typeface="+mj-lt"/>
+              <a:buAutoNum type="alphaLcParenR"/>
+            </a:pPr>
             <a:endParaRPr lang="en-PH" dirty="0"/>
           </a:p>
-        </p:txBody>
-      </p:sp>
+          <a:p>
+            <a:pPr marL="914400" lvl="1" indent="-457200">
+              <a:buFont typeface="+mj-lt"/>
+              <a:buAutoNum type="alphaLcParenR"/>
+            </a:pPr>
+            <a:endParaRPr lang="en-PH" dirty="0"/>
+          </a:p>
+          <a:p>
+            <a:pPr marL="914400" lvl="1" indent="-457200">
+              <a:buFont typeface="+mj-lt"/>
+              <a:buAutoNum type="alphaLcParenR"/>
+            </a:pPr>
+            <a:endParaRPr lang="en-PH" dirty="0"/>
+          </a:p>
+          <a:p>
+            <a:pPr marL="914400" lvl="1" indent="-457200">
+              <a:buFont typeface="+mj-lt"/>
+              <a:buAutoNum type="alphaLcParenR"/>
+            </a:pPr>
+            <a:r>
+              <a:rPr lang="en-PH" dirty="0"/>
+              <a:t>Once the token is created, process that token (in the next slide).</a:t>
+            </a:r>
+          </a:p>
+        </p:txBody>
+      </p:sp>
+      <p:pic>
+        <p:nvPicPr>
+          <p:cNvPr id="4" name="Picture 3">
+            <a:extLst>
+              <a:ext uri="{FF2B5EF4-FFF2-40B4-BE49-F238E27FC236}">
+                <a16:creationId xmlns:a16="http://schemas.microsoft.com/office/drawing/2014/main" id="{117EA3FF-F652-493E-B449-1F3B2657FCE2}"/>
+              </a:ext>
+            </a:extLst>
+          </p:cNvPr>
+          <p:cNvPicPr>
+            <a:picLocks noChangeAspect="1"/>
+          </p:cNvPicPr>
+          <p:nvPr/>
+        </p:nvPicPr>
+        <p:blipFill>
+          <a:blip r:embed="rId2"/>
+          <a:stretch>
+            <a:fillRect/>
+          </a:stretch>
+        </p:blipFill>
+        <p:spPr>
+          <a:xfrm>
+            <a:off x="1322012" y="1989577"/>
+            <a:ext cx="6868484" cy="276264"/>
+          </a:xfrm>
+          <a:prstGeom prst="rect">
+            <a:avLst/>
+          </a:prstGeom>
+        </p:spPr>
+      </p:pic>
+      <p:pic>
+        <p:nvPicPr>
+          <p:cNvPr id="5" name="Picture 4">
+            <a:extLst>
+              <a:ext uri="{FF2B5EF4-FFF2-40B4-BE49-F238E27FC236}">
+                <a16:creationId xmlns:a16="http://schemas.microsoft.com/office/drawing/2014/main" id="{D63182F4-AFF6-4F40-8DBF-58E8A85AC1BD}"/>
+              </a:ext>
+            </a:extLst>
+          </p:cNvPr>
+          <p:cNvPicPr>
+            <a:picLocks noChangeAspect="1"/>
+          </p:cNvPicPr>
+          <p:nvPr/>
+        </p:nvPicPr>
+        <p:blipFill>
+          <a:blip r:embed="rId3"/>
+          <a:stretch>
+            <a:fillRect/>
+          </a:stretch>
+        </p:blipFill>
+        <p:spPr>
+          <a:xfrm>
+            <a:off x="1322012" y="2810827"/>
+            <a:ext cx="3410426" cy="952633"/>
+          </a:xfrm>
+          <a:prstGeom prst="rect">
+            <a:avLst/>
+          </a:prstGeom>
+        </p:spPr>
+      </p:pic>
+      <p:pic>
+        <p:nvPicPr>
+          <p:cNvPr id="6" name="Picture 5">
+            <a:extLst>
+              <a:ext uri="{FF2B5EF4-FFF2-40B4-BE49-F238E27FC236}">
+                <a16:creationId xmlns:a16="http://schemas.microsoft.com/office/drawing/2014/main" id="{F353D1E6-E382-42B0-A4C0-89C20AF5077F}"/>
+              </a:ext>
+            </a:extLst>
+          </p:cNvPr>
+          <p:cNvPicPr>
+            <a:picLocks noChangeAspect="1"/>
+          </p:cNvPicPr>
+          <p:nvPr/>
+        </p:nvPicPr>
+        <p:blipFill>
+          <a:blip r:embed="rId4"/>
+          <a:stretch>
+            <a:fillRect/>
+          </a:stretch>
+        </p:blipFill>
+        <p:spPr>
+          <a:xfrm>
+            <a:off x="1322012" y="4426234"/>
+            <a:ext cx="7573432" cy="790685"/>
+          </a:xfrm>
+          <a:prstGeom prst="rect">
+            <a:avLst/>
+          </a:prstGeom>
+        </p:spPr>
+      </p:pic>
     </p:spTree>
     <p:extLst>
       <p:ext uri="{BB962C8B-B14F-4D97-AF65-F5344CB8AC3E}">
@@ -3615,7 +3813,12 @@
             <p:ph idx="1"/>
           </p:nvPr>
         </p:nvSpPr>
-        <p:spPr/>
+        <p:spPr>
+          <a:xfrm>
+            <a:off x="354274" y="1606371"/>
+            <a:ext cx="6645676" cy="4351338"/>
+          </a:xfrm>
+        </p:spPr>
         <p:txBody>
           <a:bodyPr/>
           <a:lstStyle/>
@@ -3624,10 +3827,181 @@
               <a:rPr lang="en-US" dirty="0"/>
               <a:t>Maximal munch algorithm implementation</a:t>
             </a:r>
-            <a:endParaRPr lang="en-PH" dirty="0"/>
-          </a:p>
-        </p:txBody>
-      </p:sp>
+          </a:p>
+          <a:p>
+            <a:pPr marL="914400" lvl="1" indent="-457200">
+              <a:buFont typeface="+mj-lt"/>
+              <a:buAutoNum type="alphaLcParenR"/>
+            </a:pPr>
+            <a:r>
+              <a:rPr lang="en-PH" dirty="0"/>
+              <a:t>Iterate through the whole input/token</a:t>
+            </a:r>
+            <a:br>
+              <a:rPr lang="en-PH" dirty="0"/>
+            </a:br>
+            <a:r>
+              <a:rPr lang="en-PH" dirty="0"/>
+              <a:t>character by character.</a:t>
+            </a:r>
+          </a:p>
+          <a:p>
+            <a:pPr marL="914400" lvl="1" indent="-457200">
+              <a:buFont typeface="+mj-lt"/>
+              <a:buAutoNum type="alphaLcParenR"/>
+            </a:pPr>
+            <a:r>
+              <a:rPr lang="en-PH" dirty="0"/>
+              <a:t>Don’t stop even if a possible final</a:t>
+            </a:r>
+            <a:br>
+              <a:rPr lang="en-PH" dirty="0"/>
+            </a:br>
+            <a:r>
+              <a:rPr lang="en-PH" dirty="0"/>
+              <a:t>state is reached.</a:t>
+            </a:r>
+          </a:p>
+          <a:p>
+            <a:pPr marL="914400" lvl="1" indent="-457200">
+              <a:buFont typeface="+mj-lt"/>
+              <a:buAutoNum type="alphaLcParenR"/>
+            </a:pPr>
+            <a:r>
+              <a:rPr lang="en-PH" dirty="0"/>
+              <a:t>Read until the last character of the</a:t>
+            </a:r>
+            <a:br>
+              <a:rPr lang="en-PH" dirty="0"/>
+            </a:br>
+            <a:r>
+              <a:rPr lang="en-PH" dirty="0"/>
+              <a:t>token, then from there, determine</a:t>
+            </a:r>
+            <a:br>
+              <a:rPr lang="en-PH" dirty="0"/>
+            </a:br>
+            <a:r>
+              <a:rPr lang="en-PH" dirty="0"/>
+              <a:t>the last state.</a:t>
+            </a:r>
+          </a:p>
+          <a:p>
+            <a:pPr marL="914400" lvl="1" indent="-457200">
+              <a:buFont typeface="+mj-lt"/>
+              <a:buAutoNum type="alphaLcParenR"/>
+            </a:pPr>
+            <a:r>
+              <a:rPr lang="en-PH" dirty="0"/>
+              <a:t>Add the token in the tokens array list</a:t>
+            </a:r>
+            <a:br>
+              <a:rPr lang="en-PH" dirty="0"/>
+            </a:br>
+            <a:r>
+              <a:rPr lang="en-PH" dirty="0"/>
+              <a:t>together with its token type and string</a:t>
+            </a:r>
+            <a:br>
+              <a:rPr lang="en-PH" dirty="0"/>
+            </a:br>
+            <a:r>
+              <a:rPr lang="en-PH" dirty="0"/>
+              <a:t>literal.</a:t>
+            </a:r>
+          </a:p>
+        </p:txBody>
+      </p:sp>
+      <p:pic>
+        <p:nvPicPr>
+          <p:cNvPr id="4" name="Picture 3">
+            <a:extLst>
+              <a:ext uri="{FF2B5EF4-FFF2-40B4-BE49-F238E27FC236}">
+                <a16:creationId xmlns:a16="http://schemas.microsoft.com/office/drawing/2014/main" id="{5C0D6EE8-15CB-4CB0-B304-3AC9CF5D9660}"/>
+              </a:ext>
+            </a:extLst>
+          </p:cNvPr>
+          <p:cNvPicPr>
+            <a:picLocks noChangeAspect="1"/>
+          </p:cNvPicPr>
+          <p:nvPr/>
+        </p:nvPicPr>
+        <p:blipFill>
+          <a:blip r:embed="rId2"/>
+          <a:stretch>
+            <a:fillRect/>
+          </a:stretch>
+        </p:blipFill>
+        <p:spPr>
+          <a:xfrm>
+            <a:off x="6239523" y="2444758"/>
+            <a:ext cx="5761064" cy="4169687"/>
+          </a:xfrm>
+          <a:prstGeom prst="rect">
+            <a:avLst/>
+          </a:prstGeom>
+        </p:spPr>
+      </p:pic>
+      <p:pic>
+        <p:nvPicPr>
+          <p:cNvPr id="5" name="Picture 4">
+            <a:extLst>
+              <a:ext uri="{FF2B5EF4-FFF2-40B4-BE49-F238E27FC236}">
+                <a16:creationId xmlns:a16="http://schemas.microsoft.com/office/drawing/2014/main" id="{4B7A5942-BF42-45BB-A7D6-B9099B3FBD2F}"/>
+              </a:ext>
+            </a:extLst>
+          </p:cNvPr>
+          <p:cNvPicPr>
+            <a:picLocks noChangeAspect="1"/>
+          </p:cNvPicPr>
+          <p:nvPr/>
+        </p:nvPicPr>
+        <p:blipFill>
+          <a:blip r:embed="rId3"/>
+          <a:stretch>
+            <a:fillRect/>
+          </a:stretch>
+        </p:blipFill>
+        <p:spPr>
+          <a:xfrm>
+            <a:off x="1402096" y="5850326"/>
+            <a:ext cx="4105848" cy="285790"/>
+          </a:xfrm>
+          <a:prstGeom prst="rect">
+            <a:avLst/>
+          </a:prstGeom>
+        </p:spPr>
+      </p:pic>
+      <p:pic>
+        <p:nvPicPr>
+          <p:cNvPr id="6" name="Picture 5">
+            <a:extLst>
+              <a:ext uri="{FF2B5EF4-FFF2-40B4-BE49-F238E27FC236}">
+                <a16:creationId xmlns:a16="http://schemas.microsoft.com/office/drawing/2014/main" id="{A6CF5E38-AAFA-4274-860E-8371AAD4DFF1}"/>
+              </a:ext>
+            </a:extLst>
+          </p:cNvPr>
+          <p:cNvPicPr>
+            <a:picLocks noChangeAspect="1"/>
+          </p:cNvPicPr>
+          <p:nvPr/>
+        </p:nvPicPr>
+        <p:blipFill>
+          <a:blip r:embed="rId4"/>
+          <a:stretch>
+            <a:fillRect/>
+          </a:stretch>
+        </p:blipFill>
+        <p:spPr>
+          <a:xfrm>
+            <a:off x="8130663" y="365125"/>
+            <a:ext cx="3869924" cy="1874494"/>
+          </a:xfrm>
+          <a:prstGeom prst="rect">
+            <a:avLst/>
+          </a:prstGeom>
+        </p:spPr>
+      </p:pic>
     </p:spTree>
     <p:extLst>
       <p:ext uri="{BB962C8B-B14F-4D97-AF65-F5344CB8AC3E}">
@@ -3674,7 +4048,12 @@
             <p:ph type="title"/>
           </p:nvPr>
         </p:nvSpPr>
-        <p:spPr/>
+        <p:spPr>
+          <a:xfrm>
+            <a:off x="504086" y="203201"/>
+            <a:ext cx="3848100" cy="715202"/>
+          </a:xfrm>
+        </p:spPr>
         <p:txBody>
           <a:bodyPr/>
           <a:lstStyle/>
@@ -3703,7 +4082,12 @@
             <p:ph idx="1"/>
           </p:nvPr>
         </p:nvSpPr>
-        <p:spPr/>
+        <p:spPr>
+          <a:xfrm>
+            <a:off x="685800" y="977900"/>
+            <a:ext cx="3520736" cy="3403600"/>
+          </a:xfrm>
+        </p:spPr>
         <p:txBody>
           <a:bodyPr/>
           <a:lstStyle/>
@@ -3712,6 +4096,40 @@
               <a:rPr lang="en-US" dirty="0"/>
               <a:t>DFA implementation</a:t>
             </a:r>
+          </a:p>
+          <a:p>
+            <a:pPr marL="914400" lvl="1" indent="-457200">
+              <a:buFont typeface="+mj-lt"/>
+              <a:buAutoNum type="alphaLcParenR"/>
+            </a:pPr>
+            <a:r>
+              <a:rPr lang="en-US" dirty="0"/>
+              <a:t>The DFA was implemented in code and can be seen in the </a:t>
+            </a:r>
+            <a:r>
+              <a:rPr lang="en-PH" dirty="0" err="1"/>
+              <a:t>stateTransition</a:t>
+            </a:r>
+            <a:r>
+              <a:rPr lang="en-PH" dirty="0"/>
+              <a:t> function.</a:t>
+            </a:r>
+          </a:p>
+          <a:p>
+            <a:pPr marL="914400" lvl="1" indent="-457200">
+              <a:buFont typeface="+mj-lt"/>
+              <a:buAutoNum type="alphaLcParenR"/>
+            </a:pPr>
+            <a:r>
+              <a:rPr lang="en-PH" dirty="0"/>
+              <a:t>A snippet on one of the switch cases.</a:t>
+            </a:r>
+          </a:p>
+          <a:p>
+            <a:pPr marL="914400" lvl="1" indent="-457200">
+              <a:buFont typeface="+mj-lt"/>
+              <a:buAutoNum type="alphaLcParenR"/>
+            </a:pPr>
             <a:endParaRPr lang="en-PH" dirty="0"/>
           </a:p>
         </p:txBody>
@@ -3744,8 +4162,68 @@
         </p:blipFill>
         <p:spPr>
           <a:xfrm>
-            <a:off x="4867275" y="1286832"/>
+            <a:off x="4991839" y="743080"/>
             <a:ext cx="6629400" cy="5034593"/>
+          </a:xfrm>
+          <a:prstGeom prst="rect">
+            <a:avLst/>
+          </a:prstGeom>
+        </p:spPr>
+      </p:pic>
+      <p:pic>
+        <p:nvPicPr>
+          <p:cNvPr id="4" name="Picture 3">
+            <a:extLst>
+              <a:ext uri="{FF2B5EF4-FFF2-40B4-BE49-F238E27FC236}">
+                <a16:creationId xmlns:a16="http://schemas.microsoft.com/office/drawing/2014/main" id="{CAE58880-234F-4A64-A6BA-D051B8026463}"/>
+              </a:ext>
+            </a:extLst>
+          </p:cNvPr>
+          <p:cNvPicPr>
+            <a:picLocks noChangeAspect="1"/>
+          </p:cNvPicPr>
+          <p:nvPr/>
+        </p:nvPicPr>
+        <p:blipFill>
+          <a:blip r:embed="rId3"/>
+          <a:stretch>
+            <a:fillRect/>
+          </a:stretch>
+        </p:blipFill>
+        <p:spPr>
+          <a:xfrm>
+            <a:off x="5053297" y="6111334"/>
+            <a:ext cx="6506483" cy="276264"/>
+          </a:xfrm>
+          <a:prstGeom prst="rect">
+            <a:avLst/>
+          </a:prstGeom>
+        </p:spPr>
+      </p:pic>
+      <p:pic>
+        <p:nvPicPr>
+          <p:cNvPr id="6" name="Picture 5">
+            <a:extLst>
+              <a:ext uri="{FF2B5EF4-FFF2-40B4-BE49-F238E27FC236}">
+                <a16:creationId xmlns:a16="http://schemas.microsoft.com/office/drawing/2014/main" id="{7E143D0E-989D-4F4C-839A-F901BC321C9D}"/>
+              </a:ext>
+            </a:extLst>
+          </p:cNvPr>
+          <p:cNvPicPr>
+            <a:picLocks noChangeAspect="1"/>
+          </p:cNvPicPr>
+          <p:nvPr/>
+        </p:nvPicPr>
+        <p:blipFill>
+          <a:blip r:embed="rId4"/>
+          <a:stretch>
+            <a:fillRect/>
+          </a:stretch>
+        </p:blipFill>
+        <p:spPr>
+          <a:xfrm>
+            <a:off x="1165853" y="4352925"/>
+            <a:ext cx="3153215" cy="2114845"/>
           </a:xfrm>
           <a:prstGeom prst="rect">
             <a:avLst/>
@@ -3827,7 +4305,12 @@
             <p:ph idx="1"/>
           </p:nvPr>
         </p:nvSpPr>
-        <p:spPr/>
+        <p:spPr>
+          <a:xfrm>
+            <a:off x="412072" y="1603682"/>
+            <a:ext cx="11057878" cy="4351338"/>
+          </a:xfrm>
+        </p:spPr>
         <p:txBody>
           <a:bodyPr/>
           <a:lstStyle/>
@@ -3836,14 +4319,520 @@
               <a:rPr lang="en-US" dirty="0"/>
               <a:t>Dealing with unrecognizable tokens</a:t>
             </a:r>
-            <a:endParaRPr lang="en-PH" dirty="0"/>
-          </a:p>
-        </p:txBody>
-      </p:sp>
+          </a:p>
+          <a:p>
+            <a:pPr marL="914400" lvl="1" indent="-457200">
+              <a:buFont typeface="+mj-lt"/>
+              <a:buAutoNum type="alphaLcParenR"/>
+            </a:pPr>
+            <a:r>
+              <a:rPr lang="en-US" dirty="0"/>
+              <a:t>Return state ‘Z’ which is used to represent a dead state in the DFA where the token is unrecognizable and results in an error.</a:t>
+            </a:r>
+          </a:p>
+          <a:p>
+            <a:pPr marL="457200" lvl="1" indent="0">
+              <a:buNone/>
+            </a:pPr>
+            <a:endParaRPr lang="en-US" dirty="0"/>
+          </a:p>
+          <a:p>
+            <a:pPr marL="914400" lvl="1" indent="-457200">
+              <a:buFont typeface="+mj-lt"/>
+              <a:buAutoNum type="alphaLcParenR"/>
+            </a:pPr>
+            <a:r>
+              <a:rPr lang="en-US" dirty="0"/>
+              <a:t>If any of the state reaches state ‘Z’ from the </a:t>
+            </a:r>
+            <a:r>
+              <a:rPr lang="en-US" dirty="0" err="1"/>
+              <a:t>stateTransition</a:t>
+            </a:r>
+            <a:r>
+              <a:rPr lang="en-US" dirty="0"/>
+              <a:t> function, add a new “ERROR” token into the tokens array list.</a:t>
+            </a:r>
+          </a:p>
+          <a:p>
+            <a:pPr marL="914400" lvl="1" indent="-457200">
+              <a:buFont typeface="+mj-lt"/>
+              <a:buAutoNum type="alphaLcParenR"/>
+            </a:pPr>
+            <a:endParaRPr lang="en-US" dirty="0"/>
+          </a:p>
+          <a:p>
+            <a:pPr marL="914400" lvl="1" indent="-457200">
+              <a:buFont typeface="+mj-lt"/>
+              <a:buAutoNum type="alphaLcParenR"/>
+            </a:pPr>
+            <a:r>
+              <a:rPr lang="en-US" dirty="0"/>
+              <a:t>Another else statement is present to catch</a:t>
+            </a:r>
+            <a:br>
+              <a:rPr lang="en-PH" dirty="0"/>
+            </a:br>
+            <a:r>
+              <a:rPr lang="en-PH" dirty="0"/>
+              <a:t>any tokens that do not reach state ‘Z’ but</a:t>
+            </a:r>
+            <a:br>
+              <a:rPr lang="en-PH" dirty="0"/>
+            </a:br>
+            <a:r>
+              <a:rPr lang="en-PH" dirty="0"/>
+              <a:t>ultimately still do not end up on a valid final</a:t>
+            </a:r>
+            <a:br>
+              <a:rPr lang="en-PH" dirty="0"/>
+            </a:br>
+            <a:r>
+              <a:rPr lang="en-PH" dirty="0"/>
+              <a:t>state. These tokens are still considered as errors.</a:t>
+            </a:r>
+            <a:endParaRPr lang="en-US" dirty="0"/>
+          </a:p>
+        </p:txBody>
+      </p:sp>
+      <p:pic>
+        <p:nvPicPr>
+          <p:cNvPr id="4" name="Picture 3">
+            <a:extLst>
+              <a:ext uri="{FF2B5EF4-FFF2-40B4-BE49-F238E27FC236}">
+                <a16:creationId xmlns:a16="http://schemas.microsoft.com/office/drawing/2014/main" id="{D5E2AF36-30EC-4C6C-8888-74BB1BE28DF4}"/>
+              </a:ext>
+            </a:extLst>
+          </p:cNvPr>
+          <p:cNvPicPr>
+            <a:picLocks noChangeAspect="1"/>
+          </p:cNvPicPr>
+          <p:nvPr/>
+        </p:nvPicPr>
+        <p:blipFill>
+          <a:blip r:embed="rId2"/>
+          <a:stretch>
+            <a:fillRect/>
+          </a:stretch>
+        </p:blipFill>
+        <p:spPr>
+          <a:xfrm>
+            <a:off x="7326624" y="2447947"/>
+            <a:ext cx="1924319" cy="257211"/>
+          </a:xfrm>
+          <a:prstGeom prst="rect">
+            <a:avLst/>
+          </a:prstGeom>
+        </p:spPr>
+      </p:pic>
+      <p:pic>
+        <p:nvPicPr>
+          <p:cNvPr id="5" name="Picture 4">
+            <a:extLst>
+              <a:ext uri="{FF2B5EF4-FFF2-40B4-BE49-F238E27FC236}">
+                <a16:creationId xmlns:a16="http://schemas.microsoft.com/office/drawing/2014/main" id="{194A530E-7721-4073-A18E-BEEB10F753EC}"/>
+              </a:ext>
+            </a:extLst>
+          </p:cNvPr>
+          <p:cNvPicPr>
+            <a:picLocks noChangeAspect="1"/>
+          </p:cNvPicPr>
+          <p:nvPr/>
+        </p:nvPicPr>
+        <p:blipFill>
+          <a:blip r:embed="rId3"/>
+          <a:stretch>
+            <a:fillRect/>
+          </a:stretch>
+        </p:blipFill>
+        <p:spPr>
+          <a:xfrm>
+            <a:off x="7823771" y="3602691"/>
+            <a:ext cx="3920823" cy="2415359"/>
+          </a:xfrm>
+          <a:prstGeom prst="rect">
+            <a:avLst/>
+          </a:prstGeom>
+        </p:spPr>
+      </p:pic>
+      <p:pic>
+        <p:nvPicPr>
+          <p:cNvPr id="6" name="Picture 5">
+            <a:extLst>
+              <a:ext uri="{FF2B5EF4-FFF2-40B4-BE49-F238E27FC236}">
+                <a16:creationId xmlns:a16="http://schemas.microsoft.com/office/drawing/2014/main" id="{CFBAD2CF-CB1B-4D64-A3F8-F4C1A5A9C672}"/>
+              </a:ext>
+            </a:extLst>
+          </p:cNvPr>
+          <p:cNvPicPr>
+            <a:picLocks noChangeAspect="1"/>
+          </p:cNvPicPr>
+          <p:nvPr/>
+        </p:nvPicPr>
+        <p:blipFill>
+          <a:blip r:embed="rId4"/>
+          <a:stretch>
+            <a:fillRect/>
+          </a:stretch>
+        </p:blipFill>
+        <p:spPr>
+          <a:xfrm>
+            <a:off x="1980626" y="5794406"/>
+            <a:ext cx="4115374" cy="571580"/>
+          </a:xfrm>
+          <a:prstGeom prst="rect">
+            <a:avLst/>
+          </a:prstGeom>
+        </p:spPr>
+      </p:pic>
     </p:spTree>
     <p:extLst>
       <p:ext uri="{BB962C8B-B14F-4D97-AF65-F5344CB8AC3E}">
         <p14:creationId xmlns:p14="http://schemas.microsoft.com/office/powerpoint/2010/main" val="1306972195"/>
+      </p:ext>
+    </p:extLst>
+  </p:cSld>
+  <p:clrMapOvr>
+    <a:masterClrMapping/>
+  </p:clrMapOvr>
+</p:sld>
+</file>
+
+<file path=ppt/slides/slide6.xml><?xml version="1.0" encoding="utf-8"?>
+<p:sld xmlns:a="http://schemas.openxmlformats.org/drawingml/2006/main" xmlns:r="http://schemas.openxmlformats.org/officeDocument/2006/relationships" xmlns:p="http://schemas.openxmlformats.org/presentationml/2006/main">
+  <p:cSld>
+    <p:spTree>
+      <p:nvGrpSpPr>
+        <p:cNvPr id="1" name=""/>
+        <p:cNvGrpSpPr/>
+        <p:nvPr/>
+      </p:nvGrpSpPr>
+      <p:grpSpPr>
+        <a:xfrm>
+          <a:off x="0" y="0"/>
+          <a:ext cx="0" cy="0"/>
+          <a:chOff x="0" y="0"/>
+          <a:chExt cx="0" cy="0"/>
+        </a:xfrm>
+      </p:grpSpPr>
+      <p:sp>
+        <p:nvSpPr>
+          <p:cNvPr id="2" name="Title 1">
+            <a:extLst>
+              <a:ext uri="{FF2B5EF4-FFF2-40B4-BE49-F238E27FC236}">
+                <a16:creationId xmlns:a16="http://schemas.microsoft.com/office/drawing/2014/main" id="{AD9B1B20-64BF-4073-A9BF-958DCFBCE068}"/>
+              </a:ext>
+            </a:extLst>
+          </p:cNvPr>
+          <p:cNvSpPr>
+            <a:spLocks noGrp="1"/>
+          </p:cNvSpPr>
+          <p:nvPr>
+            <p:ph type="title"/>
+          </p:nvPr>
+        </p:nvSpPr>
+        <p:spPr>
+          <a:xfrm>
+            <a:off x="533400" y="146344"/>
+            <a:ext cx="3838575" cy="865482"/>
+          </a:xfrm>
+        </p:spPr>
+        <p:txBody>
+          <a:bodyPr/>
+          <a:lstStyle/>
+          <a:p>
+            <a:r>
+              <a:rPr lang="en-US" dirty="0"/>
+              <a:t>Lexical Analysis</a:t>
+            </a:r>
+            <a:endParaRPr lang="en-PH" dirty="0"/>
+          </a:p>
+        </p:txBody>
+      </p:sp>
+      <p:sp>
+        <p:nvSpPr>
+          <p:cNvPr id="3" name="Content Placeholder 2">
+            <a:extLst>
+              <a:ext uri="{FF2B5EF4-FFF2-40B4-BE49-F238E27FC236}">
+                <a16:creationId xmlns:a16="http://schemas.microsoft.com/office/drawing/2014/main" id="{ABFA4ED6-E107-46D2-8C7E-263AB7217238}"/>
+              </a:ext>
+            </a:extLst>
+          </p:cNvPr>
+          <p:cNvSpPr>
+            <a:spLocks noGrp="1"/>
+          </p:cNvSpPr>
+          <p:nvPr>
+            <p:ph idx="1"/>
+          </p:nvPr>
+        </p:nvSpPr>
+        <p:spPr>
+          <a:xfrm>
+            <a:off x="533400" y="892175"/>
+            <a:ext cx="10515600" cy="3784600"/>
+          </a:xfrm>
+        </p:spPr>
+        <p:txBody>
+          <a:bodyPr/>
+          <a:lstStyle/>
+          <a:p>
+            <a:r>
+              <a:rPr lang="en-US" dirty="0"/>
+              <a:t>Results and File Output</a:t>
+            </a:r>
+          </a:p>
+          <a:p>
+            <a:pPr marL="914400" lvl="1" indent="-457200">
+              <a:buFont typeface="+mj-lt"/>
+              <a:buAutoNum type="alphaLcParenR"/>
+            </a:pPr>
+            <a:r>
+              <a:rPr lang="en-PH" dirty="0"/>
+              <a:t>Use a </a:t>
+            </a:r>
+            <a:r>
+              <a:rPr lang="en-PH" dirty="0" err="1"/>
+              <a:t>FileWriter</a:t>
+            </a:r>
+            <a:r>
+              <a:rPr lang="en-PH" dirty="0"/>
+              <a:t> to put the results of token types into an Output file.</a:t>
+            </a:r>
+          </a:p>
+          <a:p>
+            <a:pPr marL="914400" lvl="1" indent="-457200">
+              <a:buFont typeface="+mj-lt"/>
+              <a:buAutoNum type="alphaLcParenR"/>
+            </a:pPr>
+            <a:endParaRPr lang="en-PH" dirty="0"/>
+          </a:p>
+          <a:p>
+            <a:pPr marL="914400" lvl="1" indent="-457200">
+              <a:buFont typeface="+mj-lt"/>
+              <a:buAutoNum type="alphaLcParenR"/>
+            </a:pPr>
+            <a:r>
+              <a:rPr lang="en-PH" dirty="0"/>
+              <a:t>Loop through the tokens inside the array list of tokens and write them.</a:t>
+            </a:r>
+          </a:p>
+        </p:txBody>
+      </p:sp>
+      <p:pic>
+        <p:nvPicPr>
+          <p:cNvPr id="4" name="Picture 3">
+            <a:extLst>
+              <a:ext uri="{FF2B5EF4-FFF2-40B4-BE49-F238E27FC236}">
+                <a16:creationId xmlns:a16="http://schemas.microsoft.com/office/drawing/2014/main" id="{A821469D-CFC6-47E8-825B-7C16990DA510}"/>
+              </a:ext>
+            </a:extLst>
+          </p:cNvPr>
+          <p:cNvPicPr>
+            <a:picLocks noChangeAspect="1"/>
+          </p:cNvPicPr>
+          <p:nvPr/>
+        </p:nvPicPr>
+        <p:blipFill>
+          <a:blip r:embed="rId2"/>
+          <a:stretch>
+            <a:fillRect/>
+          </a:stretch>
+        </p:blipFill>
+        <p:spPr>
+          <a:xfrm>
+            <a:off x="1525494" y="1775583"/>
+            <a:ext cx="4888158" cy="318793"/>
+          </a:xfrm>
+          <a:prstGeom prst="rect">
+            <a:avLst/>
+          </a:prstGeom>
+        </p:spPr>
+      </p:pic>
+      <p:pic>
+        <p:nvPicPr>
+          <p:cNvPr id="5" name="Picture 4">
+            <a:extLst>
+              <a:ext uri="{FF2B5EF4-FFF2-40B4-BE49-F238E27FC236}">
+                <a16:creationId xmlns:a16="http://schemas.microsoft.com/office/drawing/2014/main" id="{59AC88CC-BF34-40EF-8FFE-DBA061055F55}"/>
+              </a:ext>
+            </a:extLst>
+          </p:cNvPr>
+          <p:cNvPicPr>
+            <a:picLocks noChangeAspect="1"/>
+          </p:cNvPicPr>
+          <p:nvPr/>
+        </p:nvPicPr>
+        <p:blipFill>
+          <a:blip r:embed="rId3"/>
+          <a:stretch>
+            <a:fillRect/>
+          </a:stretch>
+        </p:blipFill>
+        <p:spPr>
+          <a:xfrm>
+            <a:off x="4132718" y="2560608"/>
+            <a:ext cx="3926564" cy="1890883"/>
+          </a:xfrm>
+          <a:prstGeom prst="rect">
+            <a:avLst/>
+          </a:prstGeom>
+        </p:spPr>
+      </p:pic>
+      <p:pic>
+        <p:nvPicPr>
+          <p:cNvPr id="6" name="Picture 5">
+            <a:extLst>
+              <a:ext uri="{FF2B5EF4-FFF2-40B4-BE49-F238E27FC236}">
+                <a16:creationId xmlns:a16="http://schemas.microsoft.com/office/drawing/2014/main" id="{B3AA1B62-6E8B-4875-BF65-788659BE03E3}"/>
+              </a:ext>
+            </a:extLst>
+          </p:cNvPr>
+          <p:cNvPicPr>
+            <a:picLocks noChangeAspect="1"/>
+          </p:cNvPicPr>
+          <p:nvPr/>
+        </p:nvPicPr>
+        <p:blipFill>
+          <a:blip r:embed="rId4"/>
+          <a:stretch>
+            <a:fillRect/>
+          </a:stretch>
+        </p:blipFill>
+        <p:spPr>
+          <a:xfrm>
+            <a:off x="2160654" y="4868832"/>
+            <a:ext cx="2715193" cy="1538610"/>
+          </a:xfrm>
+          <a:prstGeom prst="rect">
+            <a:avLst/>
+          </a:prstGeom>
+        </p:spPr>
+      </p:pic>
+      <p:pic>
+        <p:nvPicPr>
+          <p:cNvPr id="7" name="Picture 6">
+            <a:extLst>
+              <a:ext uri="{FF2B5EF4-FFF2-40B4-BE49-F238E27FC236}">
+                <a16:creationId xmlns:a16="http://schemas.microsoft.com/office/drawing/2014/main" id="{1BAD7CF5-093C-45BD-AFC6-76513D70591B}"/>
+              </a:ext>
+            </a:extLst>
+          </p:cNvPr>
+          <p:cNvPicPr>
+            <a:picLocks noChangeAspect="1"/>
+          </p:cNvPicPr>
+          <p:nvPr/>
+        </p:nvPicPr>
+        <p:blipFill>
+          <a:blip r:embed="rId5"/>
+          <a:stretch>
+            <a:fillRect/>
+          </a:stretch>
+        </p:blipFill>
+        <p:spPr>
+          <a:xfrm>
+            <a:off x="7487675" y="4811109"/>
+            <a:ext cx="3710624" cy="1596333"/>
+          </a:xfrm>
+          <a:prstGeom prst="rect">
+            <a:avLst/>
+          </a:prstGeom>
+        </p:spPr>
+      </p:pic>
+      <p:sp>
+        <p:nvSpPr>
+          <p:cNvPr id="8" name="TextBox 7">
+            <a:extLst>
+              <a:ext uri="{FF2B5EF4-FFF2-40B4-BE49-F238E27FC236}">
+                <a16:creationId xmlns:a16="http://schemas.microsoft.com/office/drawing/2014/main" id="{45DBF0F4-9A38-4441-8825-A0B2ACC48A76}"/>
+              </a:ext>
+            </a:extLst>
+          </p:cNvPr>
+          <p:cNvSpPr txBox="1"/>
+          <p:nvPr/>
+        </p:nvSpPr>
+        <p:spPr>
+          <a:xfrm>
+            <a:off x="4961572" y="5514975"/>
+            <a:ext cx="991553" cy="646331"/>
+          </a:xfrm>
+          <a:prstGeom prst="rect">
+            <a:avLst/>
+          </a:prstGeom>
+          <a:noFill/>
+        </p:spPr>
+        <p:txBody>
+          <a:bodyPr wrap="none" rtlCol="0">
+            <a:spAutoFit/>
+          </a:bodyPr>
+          <a:lstStyle/>
+          <a:p>
+            <a:pPr algn="ctr"/>
+            <a:r>
+              <a:rPr lang="en-US" dirty="0"/>
+              <a:t>Input.txt</a:t>
+            </a:r>
+          </a:p>
+          <a:p>
+            <a:pPr algn="ctr"/>
+            <a:r>
+              <a:rPr lang="en-US" dirty="0">
+                <a:sym typeface="Wingdings" panose="05000000000000000000" pitchFamily="2" charset="2"/>
+              </a:rPr>
+              <a:t></a:t>
+            </a:r>
+            <a:endParaRPr lang="en-PH" dirty="0"/>
+          </a:p>
+        </p:txBody>
+      </p:sp>
+      <p:sp>
+        <p:nvSpPr>
+          <p:cNvPr id="9" name="TextBox 8">
+            <a:extLst>
+              <a:ext uri="{FF2B5EF4-FFF2-40B4-BE49-F238E27FC236}">
+                <a16:creationId xmlns:a16="http://schemas.microsoft.com/office/drawing/2014/main" id="{20ED3DE8-E704-4257-9534-3C1F19196A8B}"/>
+              </a:ext>
+            </a:extLst>
+          </p:cNvPr>
+          <p:cNvSpPr txBox="1"/>
+          <p:nvPr/>
+        </p:nvSpPr>
+        <p:spPr>
+          <a:xfrm>
+            <a:off x="6172200" y="5514975"/>
+            <a:ext cx="1163075" cy="646331"/>
+          </a:xfrm>
+          <a:prstGeom prst="rect">
+            <a:avLst/>
+          </a:prstGeom>
+          <a:noFill/>
+        </p:spPr>
+        <p:txBody>
+          <a:bodyPr wrap="none" rtlCol="0">
+            <a:spAutoFit/>
+          </a:bodyPr>
+          <a:lstStyle/>
+          <a:p>
+            <a:pPr algn="ctr"/>
+            <a:r>
+              <a:rPr lang="en-US" dirty="0"/>
+              <a:t>Output.txt</a:t>
+            </a:r>
+          </a:p>
+          <a:p>
+            <a:pPr algn="ctr"/>
+            <a:r>
+              <a:rPr lang="en-US" dirty="0">
+                <a:sym typeface="Wingdings" panose="05000000000000000000" pitchFamily="2" charset="2"/>
+              </a:rPr>
+              <a:t></a:t>
+            </a:r>
+            <a:endParaRPr lang="en-PH" dirty="0"/>
+          </a:p>
+        </p:txBody>
+      </p:sp>
+    </p:spTree>
+    <p:extLst>
+      <p:ext uri="{BB962C8B-B14F-4D97-AF65-F5344CB8AC3E}">
+        <p14:creationId xmlns:p14="http://schemas.microsoft.com/office/powerpoint/2010/main" val="2613097112"/>
       </p:ext>
     </p:extLst>
   </p:cSld>
